--- a/Capstone_2 - GAN and Mechanical Networks /Slides.pptx
+++ b/Capstone_2 - GAN and Mechanical Networks /Slides.pptx
@@ -801,7 +801,7 @@
   <p:cSld>
     <p:spTree>
       <p:nvGrpSpPr>
-        <p:cNvPr id="132" name="Shape 132"/>
+        <p:cNvPr id="136" name="Shape 136"/>
         <p:cNvGrpSpPr/>
         <p:nvPr/>
       </p:nvGrpSpPr>
@@ -815,7 +815,7 @@
       </p:grpSpPr>
       <p:sp>
         <p:nvSpPr>
-          <p:cNvPr id="133" name="Google Shape;133;g96885fbc6c_0_12:notes"/>
+          <p:cNvPr id="137" name="Google Shape;137;g96885fbc6c_0_12:notes"/>
           <p:cNvSpPr/>
           <p:nvPr>
             <p:ph idx="2" type="sldImg"/>
@@ -850,7 +850,7 @@
       </p:sp>
       <p:sp>
         <p:nvSpPr>
-          <p:cNvPr id="134" name="Google Shape;134;g96885fbc6c_0_12:notes"/>
+          <p:cNvPr id="138" name="Google Shape;138;g96885fbc6c_0_12:notes"/>
           <p:cNvSpPr txBox="1"/>
           <p:nvPr>
             <p:ph idx="1" type="body"/>
@@ -900,7 +900,7 @@
   <p:cSld>
     <p:spTree>
       <p:nvGrpSpPr>
-        <p:cNvPr id="145" name="Shape 145"/>
+        <p:cNvPr id="149" name="Shape 149"/>
         <p:cNvGrpSpPr/>
         <p:nvPr/>
       </p:nvGrpSpPr>
@@ -914,7 +914,7 @@
       </p:grpSpPr>
       <p:sp>
         <p:nvSpPr>
-          <p:cNvPr id="146" name="Google Shape;146;g96885fbc6c_0_36:notes"/>
+          <p:cNvPr id="150" name="Google Shape;150;g96885fbc6c_0_36:notes"/>
           <p:cNvSpPr/>
           <p:nvPr>
             <p:ph idx="2" type="sldImg"/>
@@ -949,7 +949,7 @@
       </p:sp>
       <p:sp>
         <p:nvSpPr>
-          <p:cNvPr id="147" name="Google Shape;147;g96885fbc6c_0_36:notes"/>
+          <p:cNvPr id="151" name="Google Shape;151;g96885fbc6c_0_36:notes"/>
           <p:cNvSpPr txBox="1"/>
           <p:nvPr>
             <p:ph idx="1" type="body"/>
@@ -999,7 +999,7 @@
   <p:cSld>
     <p:spTree>
       <p:nvGrpSpPr>
-        <p:cNvPr id="155" name="Shape 155"/>
+        <p:cNvPr id="159" name="Shape 159"/>
         <p:cNvGrpSpPr/>
         <p:nvPr/>
       </p:nvGrpSpPr>
@@ -1013,7 +1013,7 @@
       </p:grpSpPr>
       <p:sp>
         <p:nvSpPr>
-          <p:cNvPr id="156" name="Google Shape;156;g96885fbc6c_0_55:notes"/>
+          <p:cNvPr id="160" name="Google Shape;160;g96885fbc6c_0_55:notes"/>
           <p:cNvSpPr/>
           <p:nvPr>
             <p:ph idx="2" type="sldImg"/>
@@ -1048,7 +1048,7 @@
       </p:sp>
       <p:sp>
         <p:nvSpPr>
-          <p:cNvPr id="157" name="Google Shape;157;g96885fbc6c_0_55:notes"/>
+          <p:cNvPr id="161" name="Google Shape;161;g96885fbc6c_0_55:notes"/>
           <p:cNvSpPr txBox="1"/>
           <p:nvPr>
             <p:ph idx="1" type="body"/>
@@ -1791,7 +1791,7 @@
   <p:cSld>
     <p:spTree>
       <p:nvGrpSpPr>
-        <p:cNvPr id="127" name="Shape 127"/>
+        <p:cNvPr id="130" name="Shape 130"/>
         <p:cNvGrpSpPr/>
         <p:nvPr/>
       </p:nvGrpSpPr>
@@ -1805,7 +1805,7 @@
       </p:grpSpPr>
       <p:sp>
         <p:nvSpPr>
-          <p:cNvPr id="128" name="Google Shape;128;g9759ad46f0_0_147:notes"/>
+          <p:cNvPr id="131" name="Google Shape;131;g9759ad46f0_0_147:notes"/>
           <p:cNvSpPr/>
           <p:nvPr>
             <p:ph idx="2" type="sldImg"/>
@@ -1840,7 +1840,7 @@
       </p:sp>
       <p:sp>
         <p:nvSpPr>
-          <p:cNvPr id="129" name="Google Shape;129;g9759ad46f0_0_147:notes"/>
+          <p:cNvPr id="132" name="Google Shape;132;g9759ad46f0_0_147:notes"/>
           <p:cNvSpPr txBox="1"/>
           <p:nvPr>
             <p:ph idx="1" type="body"/>
@@ -6710,7 +6710,7 @@
   <p:cSld>
     <p:spTree>
       <p:nvGrpSpPr>
-        <p:cNvPr id="135" name="Shape 135"/>
+        <p:cNvPr id="139" name="Shape 139"/>
         <p:cNvGrpSpPr/>
         <p:nvPr/>
       </p:nvGrpSpPr>
@@ -6724,7 +6724,7 @@
       </p:grpSpPr>
       <p:sp>
         <p:nvSpPr>
-          <p:cNvPr id="136" name="Google Shape;136;p22"/>
+          <p:cNvPr id="140" name="Google Shape;140;p22"/>
           <p:cNvSpPr txBox="1"/>
           <p:nvPr>
             <p:ph type="title"/>
@@ -6780,7 +6780,7 @@
       </p:sp>
       <p:pic>
         <p:nvPicPr>
-          <p:cNvPr id="137" name="Google Shape;137;p22"/>
+          <p:cNvPr id="141" name="Google Shape;141;p22"/>
           <p:cNvPicPr preferRelativeResize="0"/>
           <p:nvPr/>
         </p:nvPicPr>
@@ -6807,7 +6807,7 @@
       </p:pic>
       <p:pic>
         <p:nvPicPr>
-          <p:cNvPr id="138" name="Google Shape;138;p22"/>
+          <p:cNvPr id="142" name="Google Shape;142;p22"/>
           <p:cNvPicPr preferRelativeResize="0"/>
           <p:nvPr/>
         </p:nvPicPr>
@@ -6835,7 +6835,7 @@
       </p:pic>
       <p:pic>
         <p:nvPicPr>
-          <p:cNvPr id="139" name="Google Shape;139;p22"/>
+          <p:cNvPr id="143" name="Google Shape;143;p22"/>
           <p:cNvPicPr preferRelativeResize="0"/>
           <p:nvPr/>
         </p:nvPicPr>
@@ -6863,7 +6863,7 @@
       </p:pic>
       <p:cxnSp>
         <p:nvCxnSpPr>
-          <p:cNvPr id="140" name="Google Shape;140;p22"/>
+          <p:cNvPr id="144" name="Google Shape;144;p22"/>
           <p:cNvCxnSpPr/>
           <p:nvPr/>
         </p:nvCxnSpPr>
@@ -6889,7 +6889,7 @@
       </p:cxnSp>
       <p:sp>
         <p:nvSpPr>
-          <p:cNvPr id="141" name="Google Shape;141;p22"/>
+          <p:cNvPr id="145" name="Google Shape;145;p22"/>
           <p:cNvSpPr txBox="1"/>
           <p:nvPr/>
         </p:nvSpPr>
@@ -6943,7 +6943,7 @@
       </p:sp>
       <p:sp>
         <p:nvSpPr>
-          <p:cNvPr id="142" name="Google Shape;142;p22"/>
+          <p:cNvPr id="146" name="Google Shape;146;p22"/>
           <p:cNvSpPr txBox="1"/>
           <p:nvPr/>
         </p:nvSpPr>
@@ -7001,7 +7001,7 @@
       </p:sp>
       <p:sp>
         <p:nvSpPr>
-          <p:cNvPr id="143" name="Google Shape;143;p22"/>
+          <p:cNvPr id="147" name="Google Shape;147;p22"/>
           <p:cNvSpPr txBox="1"/>
           <p:nvPr/>
         </p:nvSpPr>
@@ -7058,7 +7058,7 @@
       </p:sp>
       <p:sp>
         <p:nvSpPr>
-          <p:cNvPr id="144" name="Google Shape;144;p22"/>
+          <p:cNvPr id="148" name="Google Shape;148;p22"/>
           <p:cNvSpPr txBox="1"/>
           <p:nvPr/>
         </p:nvSpPr>
@@ -7126,7 +7126,7 @@
   <p:cSld>
     <p:spTree>
       <p:nvGrpSpPr>
-        <p:cNvPr id="148" name="Shape 148"/>
+        <p:cNvPr id="152" name="Shape 152"/>
         <p:cNvGrpSpPr/>
         <p:nvPr/>
       </p:nvGrpSpPr>
@@ -7140,7 +7140,7 @@
       </p:grpSpPr>
       <p:sp>
         <p:nvSpPr>
-          <p:cNvPr id="149" name="Google Shape;149;p23"/>
+          <p:cNvPr id="153" name="Google Shape;153;p23"/>
           <p:cNvSpPr txBox="1"/>
           <p:nvPr>
             <p:ph type="title"/>
@@ -7188,7 +7188,7 @@
       </p:sp>
       <p:pic>
         <p:nvPicPr>
-          <p:cNvPr id="150" name="Google Shape;150;p23"/>
+          <p:cNvPr id="154" name="Google Shape;154;p23"/>
           <p:cNvPicPr preferRelativeResize="0"/>
           <p:nvPr/>
         </p:nvPicPr>
@@ -7216,7 +7216,7 @@
       </p:pic>
       <p:pic>
         <p:nvPicPr>
-          <p:cNvPr id="151" name="Google Shape;151;p23"/>
+          <p:cNvPr id="155" name="Google Shape;155;p23"/>
           <p:cNvPicPr preferRelativeResize="0"/>
           <p:nvPr/>
         </p:nvPicPr>
@@ -7244,7 +7244,7 @@
       </p:pic>
       <p:sp>
         <p:nvSpPr>
-          <p:cNvPr id="152" name="Google Shape;152;p23"/>
+          <p:cNvPr id="156" name="Google Shape;156;p23"/>
           <p:cNvSpPr txBox="1"/>
           <p:nvPr/>
         </p:nvSpPr>
@@ -7286,7 +7286,7 @@
       </p:sp>
       <p:sp>
         <p:nvSpPr>
-          <p:cNvPr id="153" name="Google Shape;153;p23"/>
+          <p:cNvPr id="157" name="Google Shape;157;p23"/>
           <p:cNvSpPr txBox="1"/>
           <p:nvPr/>
         </p:nvSpPr>
@@ -7328,7 +7328,7 @@
       </p:sp>
       <p:sp>
         <p:nvSpPr>
-          <p:cNvPr id="154" name="Google Shape;154;p23"/>
+          <p:cNvPr id="158" name="Google Shape;158;p23"/>
           <p:cNvSpPr txBox="1"/>
           <p:nvPr/>
         </p:nvSpPr>
@@ -7392,7 +7392,7 @@
     </p:bg>
     <p:spTree>
       <p:nvGrpSpPr>
-        <p:cNvPr id="158" name="Shape 158"/>
+        <p:cNvPr id="162" name="Shape 162"/>
         <p:cNvGrpSpPr/>
         <p:nvPr/>
       </p:nvGrpSpPr>
@@ -7406,7 +7406,7 @@
       </p:grpSpPr>
       <p:sp>
         <p:nvSpPr>
-          <p:cNvPr id="159" name="Google Shape;159;p24"/>
+          <p:cNvPr id="163" name="Google Shape;163;p24"/>
           <p:cNvSpPr txBox="1"/>
           <p:nvPr>
             <p:ph type="title"/>
@@ -7438,23 +7438,23 @@
             </a:pPr>
             <a:r>
               <a:rPr lang="en">
-                <a:highlight>
+                <a:solidFill>
                   <a:srgbClr val="FFFFFF"/>
-                </a:highlight>
+                </a:solidFill>
               </a:rPr>
               <a:t>Conclusion</a:t>
             </a:r>
             <a:endParaRPr>
-              <a:highlight>
+              <a:solidFill>
                 <a:srgbClr val="FFFFFF"/>
-              </a:highlight>
+              </a:solidFill>
             </a:endParaRPr>
           </a:p>
         </p:txBody>
       </p:sp>
       <p:sp>
         <p:nvSpPr>
-          <p:cNvPr id="160" name="Google Shape;160;p24"/>
+          <p:cNvPr id="164" name="Google Shape;164;p24"/>
           <p:cNvSpPr txBox="1"/>
           <p:nvPr>
             <p:ph idx="1" type="body"/>
@@ -8866,7 +8866,7 @@
                   <a:srgbClr val="000000"/>
                 </a:solidFill>
               </a:rPr>
-              <a:t>Each point in each cell is then shifted by a small and yet random displacement: the structure appears to carry a long range order but contains small variations from one cell to another.</a:t>
+              <a:t>Each point in each cell is then shifted by a small and yet random displacement: the structure carries a long range order but contains small variations from one cell to another</a:t>
             </a:r>
             <a:endParaRPr>
               <a:solidFill>
@@ -9276,7 +9276,7 @@
         <p:spPr>
           <a:xfrm>
             <a:off x="311700" y="445025"/>
-            <a:ext cx="6828000" cy="572700"/>
+            <a:ext cx="7452600" cy="572700"/>
           </a:xfrm>
           <a:prstGeom prst="rect">
             <a:avLst/>
@@ -9299,7 +9299,7 @@
             </a:pPr>
             <a:r>
               <a:rPr lang="en"/>
-              <a:t>The Generative Adversarial Network</a:t>
+              <a:t>The Generative Adversarial Network (GAN)</a:t>
             </a:r>
             <a:endParaRPr/>
           </a:p>
@@ -9789,8 +9789,36 @@
           <p:cNvPicPr preferRelativeResize="0"/>
           <p:nvPr/>
         </p:nvPicPr>
+        <p:blipFill>
+          <a:blip r:embed="rId3">
+            <a:alphaModFix/>
+          </a:blip>
+          <a:stretch>
+            <a:fillRect/>
+          </a:stretch>
+        </p:blipFill>
+        <p:spPr>
+          <a:xfrm>
+            <a:off x="152400" y="827775"/>
+            <a:ext cx="4997900" cy="3400150"/>
+          </a:xfrm>
+          <a:prstGeom prst="rect">
+            <a:avLst/>
+          </a:prstGeom>
+          <a:noFill/>
+          <a:ln>
+            <a:noFill/>
+          </a:ln>
+        </p:spPr>
+      </p:pic>
+      <p:pic>
+        <p:nvPicPr>
+          <p:cNvPr id="122" name="Google Shape;122;p20"/>
+          <p:cNvPicPr preferRelativeResize="0"/>
+          <p:nvPr/>
+        </p:nvPicPr>
         <p:blipFill rotWithShape="1">
-          <a:blip r:embed="rId3">
+          <a:blip r:embed="rId4">
             <a:alphaModFix/>
           </a:blip>
           <a:srcRect b="5906" l="2859" r="3375" t="4060"/>
@@ -9798,7 +9826,7 @@
         </p:blipFill>
         <p:spPr>
           <a:xfrm>
-            <a:off x="4572000" y="1242325"/>
+            <a:off x="5257800" y="1242325"/>
             <a:ext cx="3438525" cy="2324100"/>
           </a:xfrm>
           <a:prstGeom prst="rect">
@@ -9812,13 +9840,13 @@
       </p:pic>
       <p:sp>
         <p:nvSpPr>
-          <p:cNvPr id="122" name="Google Shape;122;p20"/>
+          <p:cNvPr id="123" name="Google Shape;123;p20"/>
           <p:cNvSpPr txBox="1"/>
           <p:nvPr/>
         </p:nvSpPr>
         <p:spPr>
           <a:xfrm>
-            <a:off x="5008775" y="568825"/>
+            <a:off x="5846975" y="568825"/>
             <a:ext cx="2155500" cy="538800"/>
           </a:xfrm>
           <a:prstGeom prst="rect">
@@ -9854,13 +9882,13 @@
       </p:sp>
       <p:sp>
         <p:nvSpPr>
-          <p:cNvPr id="123" name="Google Shape;123;p20"/>
+          <p:cNvPr id="124" name="Google Shape;124;p20"/>
           <p:cNvSpPr txBox="1"/>
           <p:nvPr/>
         </p:nvSpPr>
         <p:spPr>
           <a:xfrm>
-            <a:off x="4897175" y="1107625"/>
+            <a:off x="5430575" y="1107625"/>
             <a:ext cx="930600" cy="440700"/>
           </a:xfrm>
           <a:prstGeom prst="rect">
@@ -9896,13 +9924,13 @@
       </p:sp>
       <p:sp>
         <p:nvSpPr>
-          <p:cNvPr id="124" name="Google Shape;124;p20"/>
+          <p:cNvPr id="125" name="Google Shape;125;p20"/>
           <p:cNvSpPr txBox="1"/>
           <p:nvPr/>
         </p:nvSpPr>
         <p:spPr>
           <a:xfrm>
-            <a:off x="6764075" y="1107625"/>
+            <a:off x="7373675" y="1107625"/>
             <a:ext cx="930600" cy="440700"/>
           </a:xfrm>
           <a:prstGeom prst="rect">
@@ -9942,14 +9970,14 @@
       </p:sp>
       <p:sp>
         <p:nvSpPr>
-          <p:cNvPr id="125" name="Google Shape;125;p20"/>
+          <p:cNvPr id="126" name="Google Shape;126;p20"/>
           <p:cNvSpPr txBox="1"/>
           <p:nvPr/>
         </p:nvSpPr>
         <p:spPr>
           <a:xfrm>
-            <a:off x="4572000" y="3390875"/>
-            <a:ext cx="3173700" cy="981000"/>
+            <a:off x="5105400" y="3701125"/>
+            <a:ext cx="3173700" cy="687300"/>
           </a:xfrm>
           <a:prstGeom prst="rect">
             <a:avLst/>
@@ -9976,23 +10004,7 @@
             </a:pPr>
             <a:r>
               <a:rPr lang="en"/>
-              <a:t>Input:</a:t>
-            </a:r>
-            <a:endParaRPr/>
-          </a:p>
-          <a:p>
-            <a:pPr indent="0" lvl="0" marL="0" rtl="0" algn="l">
-              <a:spcBef>
-                <a:spcPts val="0"/>
-              </a:spcBef>
-              <a:spcAft>
-                <a:spcPts val="0"/>
-              </a:spcAft>
-              <a:buNone/>
-            </a:pPr>
-            <a:r>
-              <a:rPr lang="en"/>
-              <a:t>previous output </a:t>
+              <a:t>Input:previous output </a:t>
             </a:r>
             <a:endParaRPr/>
           </a:p>
@@ -10016,14 +10028,14 @@
       </p:sp>
       <p:sp>
         <p:nvSpPr>
-          <p:cNvPr id="126" name="Google Shape;126;p20"/>
+          <p:cNvPr id="127" name="Google Shape;127;p20"/>
           <p:cNvSpPr txBox="1"/>
           <p:nvPr/>
         </p:nvSpPr>
         <p:spPr>
           <a:xfrm>
-            <a:off x="1254575" y="568825"/>
-            <a:ext cx="2155500" cy="538800"/>
+            <a:off x="5150300" y="4249500"/>
+            <a:ext cx="2865600" cy="440700"/>
           </a:xfrm>
           <a:prstGeom prst="rect">
             <a:avLst/>
@@ -10044,6 +10056,61 @@
                 <a:spcPts val="0"/>
               </a:spcBef>
               <a:spcAft>
+                <a:spcPts val="1600"/>
+              </a:spcAft>
+              <a:buClr>
+                <a:schemeClr val="dk1"/>
+              </a:buClr>
+              <a:buSzPts val="1100"/>
+              <a:buFont typeface="Arial"/>
+              <a:buNone/>
+            </a:pPr>
+            <a:r>
+              <a:rPr i="1" lang="en" sz="1300">
+                <a:solidFill>
+                  <a:schemeClr val="dk1"/>
+                </a:solidFill>
+              </a:rPr>
+              <a:t>Dr. Jason Brownless for Machine Learning Mastery</a:t>
+            </a:r>
+            <a:endParaRPr i="1" sz="1300">
+              <a:solidFill>
+                <a:schemeClr val="dk1"/>
+              </a:solidFill>
+            </a:endParaRPr>
+          </a:p>
+        </p:txBody>
+      </p:sp>
+      <p:sp>
+        <p:nvSpPr>
+          <p:cNvPr id="128" name="Google Shape;128;p20"/>
+          <p:cNvSpPr txBox="1"/>
+          <p:nvPr/>
+        </p:nvSpPr>
+        <p:spPr>
+          <a:xfrm>
+            <a:off x="1254575" y="568825"/>
+            <a:ext cx="2155500" cy="538800"/>
+          </a:xfrm>
+          <a:prstGeom prst="rect">
+            <a:avLst/>
+          </a:prstGeom>
+          <a:noFill/>
+          <a:ln>
+            <a:noFill/>
+          </a:ln>
+        </p:spPr>
+        <p:txBody>
+          <a:bodyPr anchorCtr="0" anchor="t" bIns="91425" lIns="91425" spcFirstLastPara="1" rIns="91425" wrap="square" tIns="91425">
+            <a:noAutofit/>
+          </a:bodyPr>
+          <a:lstStyle/>
+          <a:p>
+            <a:pPr indent="0" lvl="0" marL="0" rtl="0" algn="ctr">
+              <a:spcBef>
+                <a:spcPts val="0"/>
+              </a:spcBef>
+              <a:spcAft>
                 <a:spcPts val="0"/>
               </a:spcAft>
               <a:buNone/>
@@ -10053,6 +10120,52 @@
               <a:t>Discriminator</a:t>
             </a:r>
             <a:endParaRPr b="1" sz="2000" u="sng"/>
+          </a:p>
+        </p:txBody>
+      </p:sp>
+      <p:sp>
+        <p:nvSpPr>
+          <p:cNvPr id="129" name="Google Shape;129;p20"/>
+          <p:cNvSpPr txBox="1"/>
+          <p:nvPr/>
+        </p:nvSpPr>
+        <p:spPr>
+          <a:xfrm>
+            <a:off x="776975" y="4342050"/>
+            <a:ext cx="2926800" cy="538800"/>
+          </a:xfrm>
+          <a:prstGeom prst="rect">
+            <a:avLst/>
+          </a:prstGeom>
+          <a:noFill/>
+          <a:ln>
+            <a:noFill/>
+          </a:ln>
+        </p:spPr>
+        <p:txBody>
+          <a:bodyPr anchorCtr="0" anchor="t" bIns="91425" lIns="91425" spcFirstLastPara="1" rIns="91425" wrap="square" tIns="91425">
+            <a:noAutofit/>
+          </a:bodyPr>
+          <a:lstStyle/>
+          <a:p>
+            <a:pPr indent="0" lvl="0" marL="0" rtl="0" algn="ctr">
+              <a:spcBef>
+                <a:spcPts val="0"/>
+              </a:spcBef>
+              <a:spcAft>
+                <a:spcPts val="0"/>
+              </a:spcAft>
+              <a:buNone/>
+            </a:pPr>
+            <a:r>
+              <a:rPr i="1" lang="en"/>
+              <a:t>(m</a:t>
+            </a:r>
+            <a:r>
+              <a:rPr i="1" lang="en"/>
+              <a:t>ore layers than represented)</a:t>
+            </a:r>
+            <a:endParaRPr i="1"/>
           </a:p>
         </p:txBody>
       </p:sp>
@@ -10069,7 +10182,7 @@
   <p:cSld>
     <p:spTree>
       <p:nvGrpSpPr>
-        <p:cNvPr id="130" name="Shape 130"/>
+        <p:cNvPr id="133" name="Shape 133"/>
         <p:cNvGrpSpPr/>
         <p:nvPr/>
       </p:nvGrpSpPr>
@@ -10083,7 +10196,7 @@
       </p:grpSpPr>
       <p:pic>
         <p:nvPicPr>
-          <p:cNvPr id="131" name="Google Shape;131;p21"/>
+          <p:cNvPr id="134" name="Google Shape;134;p21"/>
           <p:cNvPicPr preferRelativeResize="0"/>
           <p:nvPr/>
         </p:nvPicPr>
@@ -10097,7 +10210,7 @@
         </p:blipFill>
         <p:spPr>
           <a:xfrm>
-            <a:off x="651200" y="184850"/>
+            <a:off x="803600" y="184850"/>
             <a:ext cx="7737600" cy="4608875"/>
           </a:xfrm>
           <a:prstGeom prst="rect">
@@ -10109,6 +10222,63 @@
           </a:ln>
         </p:spPr>
       </p:pic>
+      <p:sp>
+        <p:nvSpPr>
+          <p:cNvPr id="135" name="Google Shape;135;p21"/>
+          <p:cNvSpPr txBox="1"/>
+          <p:nvPr/>
+        </p:nvSpPr>
+        <p:spPr>
+          <a:xfrm>
+            <a:off x="409575" y="446375"/>
+            <a:ext cx="2155500" cy="538800"/>
+          </a:xfrm>
+          <a:prstGeom prst="rect">
+            <a:avLst/>
+          </a:prstGeom>
+          <a:noFill/>
+          <a:ln>
+            <a:noFill/>
+          </a:ln>
+        </p:spPr>
+        <p:txBody>
+          <a:bodyPr anchorCtr="0" anchor="t" bIns="91425" lIns="91425" spcFirstLastPara="1" rIns="91425" wrap="square" tIns="91425">
+            <a:noAutofit/>
+          </a:bodyPr>
+          <a:lstStyle/>
+          <a:p>
+            <a:pPr indent="0" lvl="0" marL="0" rtl="0" algn="ctr">
+              <a:spcBef>
+                <a:spcPts val="0"/>
+              </a:spcBef>
+              <a:spcAft>
+                <a:spcPts val="0"/>
+              </a:spcAft>
+              <a:buNone/>
+            </a:pPr>
+            <a:r>
+              <a:rPr b="1" lang="en" sz="2000" u="sng"/>
+              <a:t>Architecture of Network</a:t>
+            </a:r>
+            <a:endParaRPr b="1" sz="2000" u="sng"/>
+          </a:p>
+          <a:p>
+            <a:pPr indent="0" lvl="0" marL="0" rtl="0" algn="l">
+              <a:spcBef>
+                <a:spcPts val="0"/>
+              </a:spcBef>
+              <a:spcAft>
+                <a:spcPts val="0"/>
+              </a:spcAft>
+              <a:buNone/>
+            </a:pPr>
+            <a:r>
+              <a:t/>
+            </a:r>
+            <a:endParaRPr b="1" sz="2000" u="sng"/>
+          </a:p>
+        </p:txBody>
+      </p:sp>
     </p:spTree>
   </p:cSld>
   <p:clrMapOvr>
@@ -10118,6 +10288,285 @@
 </file>
 
 <file path=ppt/theme/theme1.xml><?xml version="1.0" encoding="utf-8"?>
+<a:theme xmlns:a="http://schemas.openxmlformats.org/drawingml/2006/main" xmlns:r="http://schemas.openxmlformats.org/officeDocument/2006/relationships">
+  <a:themeElements>
+    <a:clrScheme name="Default">
+      <a:dk1>
+        <a:srgbClr val="000000"/>
+      </a:dk1>
+      <a:lt1>
+        <a:srgbClr val="FFFFFF"/>
+      </a:lt1>
+      <a:dk2>
+        <a:srgbClr val="158158"/>
+      </a:dk2>
+      <a:lt2>
+        <a:srgbClr val="F3F3F3"/>
+      </a:lt2>
+      <a:accent1>
+        <a:srgbClr val="058DC7"/>
+      </a:accent1>
+      <a:accent2>
+        <a:srgbClr val="50B432"/>
+      </a:accent2>
+      <a:accent3>
+        <a:srgbClr val="ED561B"/>
+      </a:accent3>
+      <a:accent4>
+        <a:srgbClr val="EDEF00"/>
+      </a:accent4>
+      <a:accent5>
+        <a:srgbClr val="24CBE5"/>
+      </a:accent5>
+      <a:accent6>
+        <a:srgbClr val="64E572"/>
+      </a:accent6>
+      <a:hlink>
+        <a:srgbClr val="2200CC"/>
+      </a:hlink>
+      <a:folHlink>
+        <a:srgbClr val="551A8B"/>
+      </a:folHlink>
+    </a:clrScheme>
+    <a:fontScheme name="Office">
+      <a:majorFont>
+        <a:latin typeface="Arial"/>
+        <a:ea typeface=""/>
+        <a:cs typeface=""/>
+        <a:font script="Jpan" typeface="ＭＳ Ｐゴシック"/>
+        <a:font script="Hang" typeface="맑은 고딕"/>
+        <a:font script="Hans" typeface="宋体"/>
+        <a:font script="Hant" typeface="新細明體"/>
+        <a:font script="Arab" typeface="Times New Roman"/>
+        <a:font script="Hebr" typeface="Times New Roman"/>
+        <a:font script="Thai" typeface="Angsana New"/>
+        <a:font script="Ethi" typeface="Nyala"/>
+        <a:font script="Beng" typeface="Vrinda"/>
+        <a:font script="Gujr" typeface="Shruti"/>
+        <a:font script="Khmr" typeface="MoolBoran"/>
+        <a:font script="Knda" typeface="Tunga"/>
+        <a:font script="Guru" typeface="Raavi"/>
+        <a:font script="Cans" typeface="Euphemia"/>
+        <a:font script="Cher" typeface="Plantagenet Cherokee"/>
+        <a:font script="Yiii" typeface="Microsoft Yi Baiti"/>
+        <a:font script="Tibt" typeface="Microsoft Himalaya"/>
+        <a:font script="Thaa" typeface="MV Boli"/>
+        <a:font script="Deva" typeface="Mangal"/>
+        <a:font script="Telu" typeface="Gautami"/>
+        <a:font script="Taml" typeface="Latha"/>
+        <a:font script="Syrc" typeface="Estrangelo Edessa"/>
+        <a:font script="Orya" typeface="Kalinga"/>
+        <a:font script="Mlym" typeface="Kartika"/>
+        <a:font script="Laoo" typeface="DokChampa"/>
+        <a:font script="Sinh" typeface="Iskoola Pota"/>
+        <a:font script="Mong" typeface="Mongolian Baiti"/>
+        <a:font script="Viet" typeface="Times New Roman"/>
+        <a:font script="Uigh" typeface="Microsoft Uighur"/>
+        <a:font script="Geor" typeface="Sylfaen"/>
+      </a:majorFont>
+      <a:minorFont>
+        <a:latin typeface="Arial"/>
+        <a:ea typeface=""/>
+        <a:cs typeface=""/>
+        <a:font script="Jpan" typeface="ＭＳ Ｐゴシック"/>
+        <a:font script="Hang" typeface="맑은 고딕"/>
+        <a:font script="Hans" typeface="宋体"/>
+        <a:font script="Hant" typeface="新細明體"/>
+        <a:font script="Arab" typeface="Arial"/>
+        <a:font script="Hebr" typeface="Arial"/>
+        <a:font script="Thai" typeface="Cordia New"/>
+        <a:font script="Ethi" typeface="Nyala"/>
+        <a:font script="Beng" typeface="Vrinda"/>
+        <a:font script="Gujr" typeface="Shruti"/>
+        <a:font script="Khmr" typeface="DaunPenh"/>
+        <a:font script="Knda" typeface="Tunga"/>
+        <a:font script="Guru" typeface="Raavi"/>
+        <a:font script="Cans" typeface="Euphemia"/>
+        <a:font script="Cher" typeface="Plantagenet Cherokee"/>
+        <a:font script="Yiii" typeface="Microsoft Yi Baiti"/>
+        <a:font script="Tibt" typeface="Microsoft Himalaya"/>
+        <a:font script="Thaa" typeface="MV Boli"/>
+        <a:font script="Deva" typeface="Mangal"/>
+        <a:font script="Telu" typeface="Gautami"/>
+        <a:font script="Taml" typeface="Latha"/>
+        <a:font script="Syrc" typeface="Estrangelo Edessa"/>
+        <a:font script="Orya" typeface="Kalinga"/>
+        <a:font script="Mlym" typeface="Kartika"/>
+        <a:font script="Laoo" typeface="DokChampa"/>
+        <a:font script="Sinh" typeface="Iskoola Pota"/>
+        <a:font script="Mong" typeface="Mongolian Baiti"/>
+        <a:font script="Viet" typeface="Arial"/>
+        <a:font script="Uigh" typeface="Microsoft Uighur"/>
+        <a:font script="Geor" typeface="Sylfaen"/>
+      </a:minorFont>
+    </a:fontScheme>
+    <a:fmtScheme name="Office">
+      <a:fillStyleLst>
+        <a:solidFill>
+          <a:schemeClr val="phClr"/>
+        </a:solidFill>
+        <a:gradFill rotWithShape="1">
+          <a:gsLst>
+            <a:gs pos="0">
+              <a:schemeClr val="phClr">
+                <a:tint val="50000"/>
+                <a:satMod val="300000"/>
+              </a:schemeClr>
+            </a:gs>
+            <a:gs pos="35000">
+              <a:schemeClr val="phClr">
+                <a:tint val="37000"/>
+                <a:satMod val="300000"/>
+              </a:schemeClr>
+            </a:gs>
+            <a:gs pos="100000">
+              <a:schemeClr val="phClr">
+                <a:tint val="15000"/>
+                <a:satMod val="350000"/>
+              </a:schemeClr>
+            </a:gs>
+          </a:gsLst>
+          <a:lin ang="16200000" scaled="1"/>
+        </a:gradFill>
+        <a:gradFill rotWithShape="1">
+          <a:gsLst>
+            <a:gs pos="0">
+              <a:schemeClr val="phClr">
+                <a:tint val="100000"/>
+                <a:shade val="100000"/>
+                <a:satMod val="130000"/>
+              </a:schemeClr>
+            </a:gs>
+            <a:gs pos="100000">
+              <a:schemeClr val="phClr">
+                <a:tint val="50000"/>
+                <a:shade val="100000"/>
+                <a:satMod val="350000"/>
+              </a:schemeClr>
+            </a:gs>
+          </a:gsLst>
+          <a:lin ang="16200000" scaled="0"/>
+        </a:gradFill>
+      </a:fillStyleLst>
+      <a:lnStyleLst>
+        <a:ln w="9525" cap="flat" cmpd="sng" algn="ctr">
+          <a:solidFill>
+            <a:schemeClr val="phClr">
+              <a:shade val="95000"/>
+              <a:satMod val="105000"/>
+            </a:schemeClr>
+          </a:solidFill>
+          <a:prstDash val="solid"/>
+        </a:ln>
+        <a:ln w="25400" cap="flat" cmpd="sng" algn="ctr">
+          <a:solidFill>
+            <a:schemeClr val="phClr"/>
+          </a:solidFill>
+          <a:prstDash val="solid"/>
+        </a:ln>
+        <a:ln w="38100" cap="flat" cmpd="sng" algn="ctr">
+          <a:solidFill>
+            <a:schemeClr val="phClr"/>
+          </a:solidFill>
+          <a:prstDash val="solid"/>
+        </a:ln>
+      </a:lnStyleLst>
+      <a:effectStyleLst>
+        <a:effectStyle>
+          <a:effectLst>
+            <a:outerShdw blurRad="40000" dist="20000" dir="5400000" rotWithShape="0">
+              <a:srgbClr val="000000">
+                <a:alpha val="38000"/>
+              </a:srgbClr>
+            </a:outerShdw>
+          </a:effectLst>
+        </a:effectStyle>
+        <a:effectStyle>
+          <a:effectLst>
+            <a:outerShdw blurRad="40000" dist="23000" dir="5400000" rotWithShape="0">
+              <a:srgbClr val="000000">
+                <a:alpha val="35000"/>
+              </a:srgbClr>
+            </a:outerShdw>
+          </a:effectLst>
+        </a:effectStyle>
+        <a:effectStyle>
+          <a:effectLst>
+            <a:outerShdw blurRad="40000" dist="23000" dir="5400000" rotWithShape="0">
+              <a:srgbClr val="000000">
+                <a:alpha val="35000"/>
+              </a:srgbClr>
+            </a:outerShdw>
+          </a:effectLst>
+          <a:scene3d>
+            <a:camera prst="orthographicFront">
+              <a:rot lat="0" lon="0" rev="0"/>
+            </a:camera>
+            <a:lightRig rig="threePt" dir="t">
+              <a:rot lat="0" lon="0" rev="1200000"/>
+            </a:lightRig>
+          </a:scene3d>
+          <a:sp3d>
+            <a:bevelT w="63500" h="25400"/>
+          </a:sp3d>
+        </a:effectStyle>
+      </a:effectStyleLst>
+      <a:bgFillStyleLst>
+        <a:solidFill>
+          <a:schemeClr val="phClr"/>
+        </a:solidFill>
+        <a:gradFill rotWithShape="1">
+          <a:gsLst>
+            <a:gs pos="0">
+              <a:schemeClr val="phClr">
+                <a:tint val="40000"/>
+                <a:satMod val="350000"/>
+              </a:schemeClr>
+            </a:gs>
+            <a:gs pos="40000">
+              <a:schemeClr val="phClr">
+                <a:tint val="45000"/>
+                <a:shade val="99000"/>
+                <a:satMod val="350000"/>
+              </a:schemeClr>
+            </a:gs>
+            <a:gs pos="100000">
+              <a:schemeClr val="phClr">
+                <a:shade val="20000"/>
+                <a:satMod val="255000"/>
+              </a:schemeClr>
+            </a:gs>
+          </a:gsLst>
+          <a:path path="circle">
+            <a:fillToRect l="50000" t="-80000" r="50000" b="180000"/>
+          </a:path>
+        </a:gradFill>
+        <a:gradFill rotWithShape="1">
+          <a:gsLst>
+            <a:gs pos="0">
+              <a:schemeClr val="phClr">
+                <a:tint val="80000"/>
+                <a:satMod val="300000"/>
+              </a:schemeClr>
+            </a:gs>
+            <a:gs pos="100000">
+              <a:schemeClr val="phClr">
+                <a:shade val="30000"/>
+                <a:satMod val="200000"/>
+              </a:schemeClr>
+            </a:gs>
+          </a:gsLst>
+          <a:path path="circle">
+            <a:fillToRect l="50000" t="50000" r="50000" b="50000"/>
+          </a:path>
+        </a:gradFill>
+      </a:bgFillStyleLst>
+    </a:fmtScheme>
+  </a:themeElements>
+</a:theme>
+</file>
+
+<file path=ppt/theme/theme2.xml><?xml version="1.0" encoding="utf-8"?>
 <a:theme xmlns:a="http://schemas.openxmlformats.org/drawingml/2006/main" xmlns:r="http://schemas.openxmlformats.org/officeDocument/2006/relationships" name="Simple Light">
   <a:themeElements>
     <a:clrScheme name="Simple Light">
@@ -10394,283 +10843,4 @@
     </a:fmtScheme>
   </a:themeElements>
 </a:theme>
-</file>
-
-<file path=ppt/theme/theme2.xml><?xml version="1.0" encoding="utf-8"?>
-<a:theme xmlns:a="http://schemas.openxmlformats.org/drawingml/2006/main" xmlns:r="http://schemas.openxmlformats.org/officeDocument/2006/relationships">
-  <a:themeElements>
-    <a:clrScheme name="Default">
-      <a:dk1>
-        <a:srgbClr val="000000"/>
-      </a:dk1>
-      <a:lt1>
-        <a:srgbClr val="FFFFFF"/>
-      </a:lt1>
-      <a:dk2>
-        <a:srgbClr val="158158"/>
-      </a:dk2>
-      <a:lt2>
-        <a:srgbClr val="F3F3F3"/>
-      </a:lt2>
-      <a:accent1>
-        <a:srgbClr val="058DC7"/>
-      </a:accent1>
-      <a:accent2>
-        <a:srgbClr val="50B432"/>
-      </a:accent2>
-      <a:accent3>
-        <a:srgbClr val="ED561B"/>
-      </a:accent3>
-      <a:accent4>
-        <a:srgbClr val="EDEF00"/>
-      </a:accent4>
-      <a:accent5>
-        <a:srgbClr val="24CBE5"/>
-      </a:accent5>
-      <a:accent6>
-        <a:srgbClr val="64E572"/>
-      </a:accent6>
-      <a:hlink>
-        <a:srgbClr val="2200CC"/>
-      </a:hlink>
-      <a:folHlink>
-        <a:srgbClr val="551A8B"/>
-      </a:folHlink>
-    </a:clrScheme>
-    <a:fontScheme name="Office">
-      <a:majorFont>
-        <a:latin typeface="Arial"/>
-        <a:ea typeface=""/>
-        <a:cs typeface=""/>
-        <a:font script="Jpan" typeface="ＭＳ Ｐゴシック"/>
-        <a:font script="Hang" typeface="맑은 고딕"/>
-        <a:font script="Hans" typeface="宋体"/>
-        <a:font script="Hant" typeface="新細明體"/>
-        <a:font script="Arab" typeface="Times New Roman"/>
-        <a:font script="Hebr" typeface="Times New Roman"/>
-        <a:font script="Thai" typeface="Angsana New"/>
-        <a:font script="Ethi" typeface="Nyala"/>
-        <a:font script="Beng" typeface="Vrinda"/>
-        <a:font script="Gujr" typeface="Shruti"/>
-        <a:font script="Khmr" typeface="MoolBoran"/>
-        <a:font script="Knda" typeface="Tunga"/>
-        <a:font script="Guru" typeface="Raavi"/>
-        <a:font script="Cans" typeface="Euphemia"/>
-        <a:font script="Cher" typeface="Plantagenet Cherokee"/>
-        <a:font script="Yiii" typeface="Microsoft Yi Baiti"/>
-        <a:font script="Tibt" typeface="Microsoft Himalaya"/>
-        <a:font script="Thaa" typeface="MV Boli"/>
-        <a:font script="Deva" typeface="Mangal"/>
-        <a:font script="Telu" typeface="Gautami"/>
-        <a:font script="Taml" typeface="Latha"/>
-        <a:font script="Syrc" typeface="Estrangelo Edessa"/>
-        <a:font script="Orya" typeface="Kalinga"/>
-        <a:font script="Mlym" typeface="Kartika"/>
-        <a:font script="Laoo" typeface="DokChampa"/>
-        <a:font script="Sinh" typeface="Iskoola Pota"/>
-        <a:font script="Mong" typeface="Mongolian Baiti"/>
-        <a:font script="Viet" typeface="Times New Roman"/>
-        <a:font script="Uigh" typeface="Microsoft Uighur"/>
-        <a:font script="Geor" typeface="Sylfaen"/>
-      </a:majorFont>
-      <a:minorFont>
-        <a:latin typeface="Arial"/>
-        <a:ea typeface=""/>
-        <a:cs typeface=""/>
-        <a:font script="Jpan" typeface="ＭＳ Ｐゴシック"/>
-        <a:font script="Hang" typeface="맑은 고딕"/>
-        <a:font script="Hans" typeface="宋体"/>
-        <a:font script="Hant" typeface="新細明體"/>
-        <a:font script="Arab" typeface="Arial"/>
-        <a:font script="Hebr" typeface="Arial"/>
-        <a:font script="Thai" typeface="Cordia New"/>
-        <a:font script="Ethi" typeface="Nyala"/>
-        <a:font script="Beng" typeface="Vrinda"/>
-        <a:font script="Gujr" typeface="Shruti"/>
-        <a:font script="Khmr" typeface="DaunPenh"/>
-        <a:font script="Knda" typeface="Tunga"/>
-        <a:font script="Guru" typeface="Raavi"/>
-        <a:font script="Cans" typeface="Euphemia"/>
-        <a:font script="Cher" typeface="Plantagenet Cherokee"/>
-        <a:font script="Yiii" typeface="Microsoft Yi Baiti"/>
-        <a:font script="Tibt" typeface="Microsoft Himalaya"/>
-        <a:font script="Thaa" typeface="MV Boli"/>
-        <a:font script="Deva" typeface="Mangal"/>
-        <a:font script="Telu" typeface="Gautami"/>
-        <a:font script="Taml" typeface="Latha"/>
-        <a:font script="Syrc" typeface="Estrangelo Edessa"/>
-        <a:font script="Orya" typeface="Kalinga"/>
-        <a:font script="Mlym" typeface="Kartika"/>
-        <a:font script="Laoo" typeface="DokChampa"/>
-        <a:font script="Sinh" typeface="Iskoola Pota"/>
-        <a:font script="Mong" typeface="Mongolian Baiti"/>
-        <a:font script="Viet" typeface="Arial"/>
-        <a:font script="Uigh" typeface="Microsoft Uighur"/>
-        <a:font script="Geor" typeface="Sylfaen"/>
-      </a:minorFont>
-    </a:fontScheme>
-    <a:fmtScheme name="Office">
-      <a:fillStyleLst>
-        <a:solidFill>
-          <a:schemeClr val="phClr"/>
-        </a:solidFill>
-        <a:gradFill rotWithShape="1">
-          <a:gsLst>
-            <a:gs pos="0">
-              <a:schemeClr val="phClr">
-                <a:tint val="50000"/>
-                <a:satMod val="300000"/>
-              </a:schemeClr>
-            </a:gs>
-            <a:gs pos="35000">
-              <a:schemeClr val="phClr">
-                <a:tint val="37000"/>
-                <a:satMod val="300000"/>
-              </a:schemeClr>
-            </a:gs>
-            <a:gs pos="100000">
-              <a:schemeClr val="phClr">
-                <a:tint val="15000"/>
-                <a:satMod val="350000"/>
-              </a:schemeClr>
-            </a:gs>
-          </a:gsLst>
-          <a:lin ang="16200000" scaled="1"/>
-        </a:gradFill>
-        <a:gradFill rotWithShape="1">
-          <a:gsLst>
-            <a:gs pos="0">
-              <a:schemeClr val="phClr">
-                <a:tint val="100000"/>
-                <a:shade val="100000"/>
-                <a:satMod val="130000"/>
-              </a:schemeClr>
-            </a:gs>
-            <a:gs pos="100000">
-              <a:schemeClr val="phClr">
-                <a:tint val="50000"/>
-                <a:shade val="100000"/>
-                <a:satMod val="350000"/>
-              </a:schemeClr>
-            </a:gs>
-          </a:gsLst>
-          <a:lin ang="16200000" scaled="0"/>
-        </a:gradFill>
-      </a:fillStyleLst>
-      <a:lnStyleLst>
-        <a:ln w="9525" cap="flat" cmpd="sng" algn="ctr">
-          <a:solidFill>
-            <a:schemeClr val="phClr">
-              <a:shade val="95000"/>
-              <a:satMod val="105000"/>
-            </a:schemeClr>
-          </a:solidFill>
-          <a:prstDash val="solid"/>
-        </a:ln>
-        <a:ln w="25400" cap="flat" cmpd="sng" algn="ctr">
-          <a:solidFill>
-            <a:schemeClr val="phClr"/>
-          </a:solidFill>
-          <a:prstDash val="solid"/>
-        </a:ln>
-        <a:ln w="38100" cap="flat" cmpd="sng" algn="ctr">
-          <a:solidFill>
-            <a:schemeClr val="phClr"/>
-          </a:solidFill>
-          <a:prstDash val="solid"/>
-        </a:ln>
-      </a:lnStyleLst>
-      <a:effectStyleLst>
-        <a:effectStyle>
-          <a:effectLst>
-            <a:outerShdw blurRad="40000" dist="20000" dir="5400000" rotWithShape="0">
-              <a:srgbClr val="000000">
-                <a:alpha val="38000"/>
-              </a:srgbClr>
-            </a:outerShdw>
-          </a:effectLst>
-        </a:effectStyle>
-        <a:effectStyle>
-          <a:effectLst>
-            <a:outerShdw blurRad="40000" dist="23000" dir="5400000" rotWithShape="0">
-              <a:srgbClr val="000000">
-                <a:alpha val="35000"/>
-              </a:srgbClr>
-            </a:outerShdw>
-          </a:effectLst>
-        </a:effectStyle>
-        <a:effectStyle>
-          <a:effectLst>
-            <a:outerShdw blurRad="40000" dist="23000" dir="5400000" rotWithShape="0">
-              <a:srgbClr val="000000">
-                <a:alpha val="35000"/>
-              </a:srgbClr>
-            </a:outerShdw>
-          </a:effectLst>
-          <a:scene3d>
-            <a:camera prst="orthographicFront">
-              <a:rot lat="0" lon="0" rev="0"/>
-            </a:camera>
-            <a:lightRig rig="threePt" dir="t">
-              <a:rot lat="0" lon="0" rev="1200000"/>
-            </a:lightRig>
-          </a:scene3d>
-          <a:sp3d>
-            <a:bevelT w="63500" h="25400"/>
-          </a:sp3d>
-        </a:effectStyle>
-      </a:effectStyleLst>
-      <a:bgFillStyleLst>
-        <a:solidFill>
-          <a:schemeClr val="phClr"/>
-        </a:solidFill>
-        <a:gradFill rotWithShape="1">
-          <a:gsLst>
-            <a:gs pos="0">
-              <a:schemeClr val="phClr">
-                <a:tint val="40000"/>
-                <a:satMod val="350000"/>
-              </a:schemeClr>
-            </a:gs>
-            <a:gs pos="40000">
-              <a:schemeClr val="phClr">
-                <a:tint val="45000"/>
-                <a:shade val="99000"/>
-                <a:satMod val="350000"/>
-              </a:schemeClr>
-            </a:gs>
-            <a:gs pos="100000">
-              <a:schemeClr val="phClr">
-                <a:shade val="20000"/>
-                <a:satMod val="255000"/>
-              </a:schemeClr>
-            </a:gs>
-          </a:gsLst>
-          <a:path path="circle">
-            <a:fillToRect l="50000" t="-80000" r="50000" b="180000"/>
-          </a:path>
-        </a:gradFill>
-        <a:gradFill rotWithShape="1">
-          <a:gsLst>
-            <a:gs pos="0">
-              <a:schemeClr val="phClr">
-                <a:tint val="80000"/>
-                <a:satMod val="300000"/>
-              </a:schemeClr>
-            </a:gs>
-            <a:gs pos="100000">
-              <a:schemeClr val="phClr">
-                <a:shade val="30000"/>
-                <a:satMod val="200000"/>
-              </a:schemeClr>
-            </a:gs>
-          </a:gsLst>
-          <a:path path="circle">
-            <a:fillToRect l="50000" t="50000" r="50000" b="50000"/>
-          </a:path>
-        </a:gradFill>
-      </a:bgFillStyleLst>
-    </a:fmtScheme>
-  </a:themeElements>
-</a:theme>
 </file>